--- a/figures/resources/distance_transform.pptx
+++ b/figures/resources/distance_transform.pptx
@@ -3524,10 +3524,10 @@
       </p:grpSpPr>
       <p:pic>
         <p:nvPicPr>
-          <p:cNvPr id="9" name="Picture 8">
-            <a:extLst>
-              <a:ext uri="{FF2B5EF4-FFF2-40B4-BE49-F238E27FC236}">
-                <a16:creationId xmlns:a16="http://schemas.microsoft.com/office/drawing/2014/main" id="{7643BC9C-BE60-6045-92CE-BDCE3DF4F4DD}"/>
+          <p:cNvPr id="10" name="Picture 9">
+            <a:extLst>
+              <a:ext uri="{FF2B5EF4-FFF2-40B4-BE49-F238E27FC236}">
+                <a16:creationId xmlns:a16="http://schemas.microsoft.com/office/drawing/2014/main" id="{40A1A9F9-9F96-D746-9A23-4D6B1C537CF1}"/>
               </a:ext>
             </a:extLst>
           </p:cNvPr>
@@ -3544,8 +3544,8 @@
         </p:blipFill>
         <p:spPr>
           <a:xfrm>
-            <a:off x="1037844" y="1426464"/>
-            <a:ext cx="2362200" cy="1981200"/>
+            <a:off x="5792724" y="97142"/>
+            <a:ext cx="3863340" cy="3240221"/>
           </a:xfrm>
           <a:prstGeom prst="rect">
             <a:avLst/>
@@ -3554,10 +3554,10 @@
       </p:pic>
       <p:pic>
         <p:nvPicPr>
-          <p:cNvPr id="10" name="Picture 9">
-            <a:extLst>
-              <a:ext uri="{FF2B5EF4-FFF2-40B4-BE49-F238E27FC236}">
-                <a16:creationId xmlns:a16="http://schemas.microsoft.com/office/drawing/2014/main" id="{40A1A9F9-9F96-D746-9A23-4D6B1C537CF1}"/>
+          <p:cNvPr id="11" name="Picture 10">
+            <a:extLst>
+              <a:ext uri="{FF2B5EF4-FFF2-40B4-BE49-F238E27FC236}">
+                <a16:creationId xmlns:a16="http://schemas.microsoft.com/office/drawing/2014/main" id="{5C1DAE05-A958-4F4A-AA1B-93586A1887B8}"/>
               </a:ext>
             </a:extLst>
           </p:cNvPr>
@@ -3574,8 +3574,8 @@
         </p:blipFill>
         <p:spPr>
           <a:xfrm>
-            <a:off x="3500628" y="1426464"/>
-            <a:ext cx="2362200" cy="1981200"/>
+            <a:off x="1844040" y="3434899"/>
+            <a:ext cx="3863340" cy="3240221"/>
           </a:xfrm>
           <a:prstGeom prst="rect">
             <a:avLst/>
@@ -3584,10 +3584,10 @@
       </p:pic>
       <p:pic>
         <p:nvPicPr>
-          <p:cNvPr id="11" name="Picture 10">
-            <a:extLst>
-              <a:ext uri="{FF2B5EF4-FFF2-40B4-BE49-F238E27FC236}">
-                <a16:creationId xmlns:a16="http://schemas.microsoft.com/office/drawing/2014/main" id="{5C1DAE05-A958-4F4A-AA1B-93586A1887B8}"/>
+          <p:cNvPr id="12" name="Picture 11">
+            <a:extLst>
+              <a:ext uri="{FF2B5EF4-FFF2-40B4-BE49-F238E27FC236}">
+                <a16:creationId xmlns:a16="http://schemas.microsoft.com/office/drawing/2014/main" id="{744593D9-1D07-6641-A0C5-1681F37C24F1}"/>
               </a:ext>
             </a:extLst>
           </p:cNvPr>
@@ -3604,8 +3604,8 @@
         </p:blipFill>
         <p:spPr>
           <a:xfrm>
-            <a:off x="6207252" y="1493520"/>
-            <a:ext cx="2362200" cy="1981200"/>
+            <a:off x="5792724" y="3434899"/>
+            <a:ext cx="3863340" cy="3240221"/>
           </a:xfrm>
           <a:prstGeom prst="rect">
             <a:avLst/>
@@ -3614,10 +3614,10 @@
       </p:pic>
       <p:pic>
         <p:nvPicPr>
-          <p:cNvPr id="12" name="Picture 11">
-            <a:extLst>
-              <a:ext uri="{FF2B5EF4-FFF2-40B4-BE49-F238E27FC236}">
-                <a16:creationId xmlns:a16="http://schemas.microsoft.com/office/drawing/2014/main" id="{744593D9-1D07-6641-A0C5-1681F37C24F1}"/>
+          <p:cNvPr id="13" name="Picture 12">
+            <a:extLst>
+              <a:ext uri="{FF2B5EF4-FFF2-40B4-BE49-F238E27FC236}">
+                <a16:creationId xmlns:a16="http://schemas.microsoft.com/office/drawing/2014/main" id="{E2021374-43C2-5244-8B50-F09A379BEF21}"/>
               </a:ext>
             </a:extLst>
           </p:cNvPr>
@@ -3634,8 +3634,8 @@
         </p:blipFill>
         <p:spPr>
           <a:xfrm>
-            <a:off x="8670036" y="1475232"/>
-            <a:ext cx="2362200" cy="1981200"/>
+            <a:off x="1844040" y="97142"/>
+            <a:ext cx="3863340" cy="3240221"/>
           </a:xfrm>
           <a:prstGeom prst="rect">
             <a:avLst/>
